--- a/Documentation/Trivia game with WCF.pptx
+++ b/Documentation/Trivia game with WCF.pptx
@@ -12,6 +12,7 @@
     <p:sldId id="259" r:id="rId6"/>
     <p:sldId id="260" r:id="rId7"/>
     <p:sldId id="261" r:id="rId8"/>
+    <p:sldId id="262" r:id="rId9"/>
   </p:sldIdLst>
   <p:sldSz cx="12192000" cy="6858000"/>
   <p:notesSz cx="6858000" cy="9144000"/>
@@ -110,6 +111,11 @@
       </a:defRPr>
     </a:lvl9pPr>
   </p:defaultTextStyle>
+  <p:extLst>
+    <p:ext uri="{EFAFB233-063F-42B5-8137-9DF3F51BA10A}">
+      <p15:sldGuideLst xmlns:p15="http://schemas.microsoft.com/office/powerpoint/2012/main"/>
+    </p:ext>
+  </p:extLst>
 </p:presentation>
 </file>
 
@@ -478,13 +484,13 @@
   <p:clrMapOvr>
     <a:masterClrMapping/>
   </p:clrMapOvr>
-  <mc:AlternateContent xmlns:mc="http://schemas.openxmlformats.org/markup-compatibility/2006">
-    <mc:Choice xmlns:p14="http://schemas.microsoft.com/office/powerpoint/2010/main" Requires="p14">
+  <mc:AlternateContent xmlns:mc="http://schemas.openxmlformats.org/markup-compatibility/2006" xmlns:p14="http://schemas.microsoft.com/office/powerpoint/2010/main">
+    <mc:Choice Requires="p14">
       <p:transition spd="med" p14:dur="700">
         <p:fade/>
       </p:transition>
     </mc:Choice>
-    <mc:Fallback>
+    <mc:Fallback xmlns="">
       <p:transition spd="med">
         <p:fade/>
       </p:transition>
@@ -776,13 +782,13 @@
   <p:clrMapOvr>
     <a:masterClrMapping/>
   </p:clrMapOvr>
-  <mc:AlternateContent xmlns:mc="http://schemas.openxmlformats.org/markup-compatibility/2006">
-    <mc:Choice xmlns:p14="http://schemas.microsoft.com/office/powerpoint/2010/main" Requires="p14">
+  <mc:AlternateContent xmlns:mc="http://schemas.openxmlformats.org/markup-compatibility/2006" xmlns:p14="http://schemas.microsoft.com/office/powerpoint/2010/main">
+    <mc:Choice Requires="p14">
       <p:transition spd="med" p14:dur="700">
         <p:fade/>
       </p:transition>
     </mc:Choice>
-    <mc:Fallback>
+    <mc:Fallback xmlns="">
       <p:transition spd="med">
         <p:fade/>
       </p:transition>
@@ -1419,13 +1425,13 @@
   <p:clrMapOvr>
     <a:masterClrMapping/>
   </p:clrMapOvr>
-  <mc:AlternateContent xmlns:mc="http://schemas.openxmlformats.org/markup-compatibility/2006">
-    <mc:Choice xmlns:p14="http://schemas.microsoft.com/office/powerpoint/2010/main" Requires="p14">
+  <mc:AlternateContent xmlns:mc="http://schemas.openxmlformats.org/markup-compatibility/2006" xmlns:p14="http://schemas.microsoft.com/office/powerpoint/2010/main">
+    <mc:Choice Requires="p14">
       <p:transition spd="med" p14:dur="700">
         <p:fade/>
       </p:transition>
     </mc:Choice>
-    <mc:Fallback>
+    <mc:Fallback xmlns="">
       <p:transition spd="med">
         <p:fade/>
       </p:transition>
@@ -1623,13 +1629,13 @@
   <p:clrMapOvr>
     <a:masterClrMapping/>
   </p:clrMapOvr>
-  <mc:AlternateContent xmlns:mc="http://schemas.openxmlformats.org/markup-compatibility/2006">
-    <mc:Choice xmlns:p14="http://schemas.microsoft.com/office/powerpoint/2010/main" Requires="p14">
+  <mc:AlternateContent xmlns:mc="http://schemas.openxmlformats.org/markup-compatibility/2006" xmlns:p14="http://schemas.microsoft.com/office/powerpoint/2010/main">
+    <mc:Choice Requires="p14">
       <p:transition spd="med" p14:dur="700">
         <p:fade/>
       </p:transition>
     </mc:Choice>
-    <mc:Fallback>
+    <mc:Fallback xmlns="">
       <p:transition spd="med">
         <p:fade/>
       </p:transition>
@@ -1989,13 +1995,13 @@
   <p:clrMapOvr>
     <a:masterClrMapping/>
   </p:clrMapOvr>
-  <mc:AlternateContent xmlns:mc="http://schemas.openxmlformats.org/markup-compatibility/2006">
-    <mc:Choice xmlns:p14="http://schemas.microsoft.com/office/powerpoint/2010/main" Requires="p14">
+  <mc:AlternateContent xmlns:mc="http://schemas.openxmlformats.org/markup-compatibility/2006" xmlns:p14="http://schemas.microsoft.com/office/powerpoint/2010/main">
+    <mc:Choice Requires="p14">
       <p:transition spd="med" p14:dur="700">
         <p:fade/>
       </p:transition>
     </mc:Choice>
-    <mc:Fallback>
+    <mc:Fallback xmlns="">
       <p:transition spd="med">
         <p:fade/>
       </p:transition>
@@ -2369,13 +2375,13 @@
   <p:clrMapOvr>
     <a:masterClrMapping/>
   </p:clrMapOvr>
-  <mc:AlternateContent xmlns:mc="http://schemas.openxmlformats.org/markup-compatibility/2006">
-    <mc:Choice xmlns:p14="http://schemas.microsoft.com/office/powerpoint/2010/main" Requires="p14">
+  <mc:AlternateContent xmlns:mc="http://schemas.openxmlformats.org/markup-compatibility/2006" xmlns:p14="http://schemas.microsoft.com/office/powerpoint/2010/main">
+    <mc:Choice Requires="p14">
       <p:transition spd="med" p14:dur="700">
         <p:fade/>
       </p:transition>
     </mc:Choice>
-    <mc:Fallback>
+    <mc:Fallback xmlns="">
       <p:transition spd="med">
         <p:fade/>
       </p:transition>
@@ -2573,13 +2579,13 @@
   <p:clrMapOvr>
     <a:masterClrMapping/>
   </p:clrMapOvr>
-  <mc:AlternateContent xmlns:mc="http://schemas.openxmlformats.org/markup-compatibility/2006">
-    <mc:Choice xmlns:p14="http://schemas.microsoft.com/office/powerpoint/2010/main" Requires="p14">
+  <mc:AlternateContent xmlns:mc="http://schemas.openxmlformats.org/markup-compatibility/2006" xmlns:p14="http://schemas.microsoft.com/office/powerpoint/2010/main">
+    <mc:Choice Requires="p14">
       <p:transition spd="med" p14:dur="700">
         <p:fade/>
       </p:transition>
     </mc:Choice>
-    <mc:Fallback>
+    <mc:Fallback xmlns="">
       <p:transition spd="med">
         <p:fade/>
       </p:transition>
@@ -3147,13 +3153,6 @@
               </a:rPr>
               <a:t> delete it. Klik vervolgens in de tijdelijke aanduiding op het pictogram Afbeeldingen om uw eigen afbeelding in te voegen.</a:t>
             </a:r>
-            <a:endParaRPr lang="nl-NL" sz="1200" i="1" dirty="0">
-              <a:solidFill>
-                <a:prstClr val="white"/>
-              </a:solidFill>
-              <a:latin typeface="Arial"/>
-              <a:cs typeface="Arial"/>
-            </a:endParaRPr>
           </a:p>
         </p:txBody>
       </p:sp>
@@ -3167,13 +3166,13 @@
   <p:clrMapOvr>
     <a:masterClrMapping/>
   </p:clrMapOvr>
-  <mc:AlternateContent xmlns:mc="http://schemas.openxmlformats.org/markup-compatibility/2006">
-    <mc:Choice xmlns:p14="http://schemas.microsoft.com/office/powerpoint/2010/main" Requires="p14">
+  <mc:AlternateContent xmlns:mc="http://schemas.openxmlformats.org/markup-compatibility/2006" xmlns:p14="http://schemas.microsoft.com/office/powerpoint/2010/main">
+    <mc:Choice Requires="p14">
       <p:transition spd="med" p14:dur="700">
         <p:fade/>
       </p:transition>
     </mc:Choice>
-    <mc:Fallback>
+    <mc:Fallback xmlns="">
       <p:transition spd="med">
         <p:fade/>
       </p:transition>
@@ -3650,13 +3649,13 @@
   <p:clrMapOvr>
     <a:masterClrMapping/>
   </p:clrMapOvr>
-  <mc:AlternateContent xmlns:mc="http://schemas.openxmlformats.org/markup-compatibility/2006">
-    <mc:Choice xmlns:p14="http://schemas.microsoft.com/office/powerpoint/2010/main" Requires="p14">
+  <mc:AlternateContent xmlns:mc="http://schemas.openxmlformats.org/markup-compatibility/2006" xmlns:p14="http://schemas.microsoft.com/office/powerpoint/2010/main">
+    <mc:Choice Requires="p14">
       <p:transition spd="med" p14:dur="700">
         <p:fade/>
       </p:transition>
     </mc:Choice>
-    <mc:Fallback>
+    <mc:Fallback xmlns="">
       <p:transition spd="med">
         <p:fade/>
       </p:transition>
@@ -3911,13 +3910,13 @@
   <p:clrMapOvr>
     <a:masterClrMapping/>
   </p:clrMapOvr>
-  <mc:AlternateContent xmlns:mc="http://schemas.openxmlformats.org/markup-compatibility/2006">
-    <mc:Choice xmlns:p14="http://schemas.microsoft.com/office/powerpoint/2010/main" Requires="p14">
+  <mc:AlternateContent xmlns:mc="http://schemas.openxmlformats.org/markup-compatibility/2006" xmlns:p14="http://schemas.microsoft.com/office/powerpoint/2010/main">
+    <mc:Choice Requires="p14">
       <p:transition spd="med" p14:dur="700">
         <p:fade/>
       </p:transition>
     </mc:Choice>
-    <mc:Fallback>
+    <mc:Fallback xmlns="">
       <p:transition spd="med">
         <p:fade/>
       </p:transition>
@@ -4316,13 +4315,13 @@
   <p:clrMapOvr>
     <a:masterClrMapping/>
   </p:clrMapOvr>
-  <mc:AlternateContent xmlns:mc="http://schemas.openxmlformats.org/markup-compatibility/2006">
-    <mc:Choice xmlns:p14="http://schemas.microsoft.com/office/powerpoint/2010/main" Requires="p14">
+  <mc:AlternateContent xmlns:mc="http://schemas.openxmlformats.org/markup-compatibility/2006" xmlns:p14="http://schemas.microsoft.com/office/powerpoint/2010/main">
+    <mc:Choice Requires="p14">
       <p:transition spd="med" p14:dur="700">
         <p:fade/>
       </p:transition>
     </mc:Choice>
-    <mc:Fallback>
+    <mc:Fallback xmlns="">
       <p:transition spd="med">
         <p:fade/>
       </p:transition>
@@ -4520,13 +4519,13 @@
   <p:clrMapOvr>
     <a:masterClrMapping/>
   </p:clrMapOvr>
-  <mc:AlternateContent xmlns:mc="http://schemas.openxmlformats.org/markup-compatibility/2006">
-    <mc:Choice xmlns:p14="http://schemas.microsoft.com/office/powerpoint/2010/main" Requires="p14">
+  <mc:AlternateContent xmlns:mc="http://schemas.openxmlformats.org/markup-compatibility/2006" xmlns:p14="http://schemas.microsoft.com/office/powerpoint/2010/main">
+    <mc:Choice Requires="p14">
       <p:transition spd="med" p14:dur="700">
         <p:fade/>
       </p:transition>
     </mc:Choice>
-    <mc:Fallback>
+    <mc:Fallback xmlns="">
       <p:transition spd="med">
         <p:fade/>
       </p:transition>
@@ -4672,13 +4671,13 @@
   <p:clrMapOvr>
     <a:masterClrMapping/>
   </p:clrMapOvr>
-  <mc:AlternateContent xmlns:mc="http://schemas.openxmlformats.org/markup-compatibility/2006">
-    <mc:Choice xmlns:p14="http://schemas.microsoft.com/office/powerpoint/2010/main" Requires="p14">
+  <mc:AlternateContent xmlns:mc="http://schemas.openxmlformats.org/markup-compatibility/2006" xmlns:p14="http://schemas.microsoft.com/office/powerpoint/2010/main">
+    <mc:Choice Requires="p14">
       <p:transition spd="med" p14:dur="700">
         <p:fade/>
       </p:transition>
     </mc:Choice>
-    <mc:Fallback>
+    <mc:Fallback xmlns="">
       <p:transition spd="med">
         <p:fade/>
       </p:transition>
@@ -4801,13 +4800,13 @@
   <p:clrMapOvr>
     <a:masterClrMapping/>
   </p:clrMapOvr>
-  <mc:AlternateContent xmlns:mc="http://schemas.openxmlformats.org/markup-compatibility/2006">
-    <mc:Choice xmlns:p14="http://schemas.microsoft.com/office/powerpoint/2010/main" Requires="p14">
+  <mc:AlternateContent xmlns:mc="http://schemas.openxmlformats.org/markup-compatibility/2006" xmlns:p14="http://schemas.microsoft.com/office/powerpoint/2010/main">
+    <mc:Choice Requires="p14">
       <p:transition spd="med" p14:dur="700">
         <p:fade/>
       </p:transition>
     </mc:Choice>
-    <mc:Fallback>
+    <mc:Fallback xmlns="">
       <p:transition spd="med">
         <p:fade/>
       </p:transition>
@@ -5114,13 +5113,13 @@
   <p:clrMapOvr>
     <a:masterClrMapping/>
   </p:clrMapOvr>
-  <mc:AlternateContent xmlns:mc="http://schemas.openxmlformats.org/markup-compatibility/2006">
-    <mc:Choice xmlns:p14="http://schemas.microsoft.com/office/powerpoint/2010/main" Requires="p14">
+  <mc:AlternateContent xmlns:mc="http://schemas.openxmlformats.org/markup-compatibility/2006" xmlns:p14="http://schemas.microsoft.com/office/powerpoint/2010/main">
+    <mc:Choice Requires="p14">
       <p:transition spd="med" p14:dur="700">
         <p:fade/>
       </p:transition>
     </mc:Choice>
-    <mc:Fallback>
+    <mc:Fallback xmlns="">
       <p:transition spd="med">
         <p:fade/>
       </p:transition>
@@ -5412,13 +5411,13 @@
   <p:clrMapOvr>
     <a:masterClrMapping/>
   </p:clrMapOvr>
-  <mc:AlternateContent xmlns:mc="http://schemas.openxmlformats.org/markup-compatibility/2006">
-    <mc:Choice xmlns:p14="http://schemas.microsoft.com/office/powerpoint/2010/main" Requires="p14">
+  <mc:AlternateContent xmlns:mc="http://schemas.openxmlformats.org/markup-compatibility/2006" xmlns:p14="http://schemas.microsoft.com/office/powerpoint/2010/main">
+    <mc:Choice Requires="p14">
       <p:transition spd="med" p14:dur="700">
         <p:fade/>
       </p:transition>
     </mc:Choice>
-    <mc:Fallback>
+    <mc:Fallback xmlns="">
       <p:transition spd="med">
         <p:fade/>
       </p:transition>
@@ -6055,13 +6054,13 @@
   <p:clrMapOvr>
     <a:masterClrMapping/>
   </p:clrMapOvr>
-  <mc:AlternateContent xmlns:mc="http://schemas.openxmlformats.org/markup-compatibility/2006">
-    <mc:Choice xmlns:p14="http://schemas.microsoft.com/office/powerpoint/2010/main" Requires="p14">
+  <mc:AlternateContent xmlns:mc="http://schemas.openxmlformats.org/markup-compatibility/2006" xmlns:p14="http://schemas.microsoft.com/office/powerpoint/2010/main">
+    <mc:Choice Requires="p14">
       <p:transition spd="med" p14:dur="700">
         <p:fade/>
       </p:transition>
     </mc:Choice>
-    <mc:Fallback>
+    <mc:Fallback xmlns="">
       <p:transition spd="med">
         <p:fade/>
       </p:transition>
@@ -6259,13 +6258,13 @@
   <p:clrMapOvr>
     <a:masterClrMapping/>
   </p:clrMapOvr>
-  <mc:AlternateContent xmlns:mc="http://schemas.openxmlformats.org/markup-compatibility/2006">
-    <mc:Choice xmlns:p14="http://schemas.microsoft.com/office/powerpoint/2010/main" Requires="p14">
+  <mc:AlternateContent xmlns:mc="http://schemas.openxmlformats.org/markup-compatibility/2006" xmlns:p14="http://schemas.microsoft.com/office/powerpoint/2010/main">
+    <mc:Choice Requires="p14">
       <p:transition spd="med" p14:dur="700">
         <p:fade/>
       </p:transition>
     </mc:Choice>
-    <mc:Fallback>
+    <mc:Fallback xmlns="">
       <p:transition spd="med">
         <p:fade/>
       </p:transition>
@@ -6625,13 +6624,13 @@
   <p:clrMapOvr>
     <a:masterClrMapping/>
   </p:clrMapOvr>
-  <mc:AlternateContent xmlns:mc="http://schemas.openxmlformats.org/markup-compatibility/2006">
-    <mc:Choice xmlns:p14="http://schemas.microsoft.com/office/powerpoint/2010/main" Requires="p14">
+  <mc:AlternateContent xmlns:mc="http://schemas.openxmlformats.org/markup-compatibility/2006" xmlns:p14="http://schemas.microsoft.com/office/powerpoint/2010/main">
+    <mc:Choice Requires="p14">
       <p:transition spd="med" p14:dur="700">
         <p:fade/>
       </p:transition>
     </mc:Choice>
-    <mc:Fallback>
+    <mc:Fallback xmlns="">
       <p:transition spd="med">
         <p:fade/>
       </p:transition>
@@ -7005,13 +7004,13 @@
   <p:clrMapOvr>
     <a:masterClrMapping/>
   </p:clrMapOvr>
-  <mc:AlternateContent xmlns:mc="http://schemas.openxmlformats.org/markup-compatibility/2006">
-    <mc:Choice xmlns:p14="http://schemas.microsoft.com/office/powerpoint/2010/main" Requires="p14">
+  <mc:AlternateContent xmlns:mc="http://schemas.openxmlformats.org/markup-compatibility/2006" xmlns:p14="http://schemas.microsoft.com/office/powerpoint/2010/main">
+    <mc:Choice Requires="p14">
       <p:transition spd="med" p14:dur="700">
         <p:fade/>
       </p:transition>
     </mc:Choice>
-    <mc:Fallback>
+    <mc:Fallback xmlns="">
       <p:transition spd="med">
         <p:fade/>
       </p:transition>
@@ -7209,13 +7208,13 @@
   <p:clrMapOvr>
     <a:masterClrMapping/>
   </p:clrMapOvr>
-  <mc:AlternateContent xmlns:mc="http://schemas.openxmlformats.org/markup-compatibility/2006">
-    <mc:Choice xmlns:p14="http://schemas.microsoft.com/office/powerpoint/2010/main" Requires="p14">
+  <mc:AlternateContent xmlns:mc="http://schemas.openxmlformats.org/markup-compatibility/2006" xmlns:p14="http://schemas.microsoft.com/office/powerpoint/2010/main">
+    <mc:Choice Requires="p14">
       <p:transition spd="med" p14:dur="700">
         <p:fade/>
       </p:transition>
     </mc:Choice>
-    <mc:Fallback>
+    <mc:Fallback xmlns="">
       <p:transition spd="med">
         <p:fade/>
       </p:transition>
@@ -7783,13 +7782,6 @@
               </a:rPr>
               <a:t> delete it. Klik vervolgens in de tijdelijke aanduiding op het pictogram Afbeeldingen om uw eigen afbeelding in te voegen.</a:t>
             </a:r>
-            <a:endParaRPr lang="nl-NL" sz="1200" i="1" dirty="0">
-              <a:solidFill>
-                <a:prstClr val="white"/>
-              </a:solidFill>
-              <a:latin typeface="Arial"/>
-              <a:cs typeface="Arial"/>
-            </a:endParaRPr>
           </a:p>
         </p:txBody>
       </p:sp>
@@ -7803,13 +7795,13 @@
   <p:clrMapOvr>
     <a:masterClrMapping/>
   </p:clrMapOvr>
-  <mc:AlternateContent xmlns:mc="http://schemas.openxmlformats.org/markup-compatibility/2006">
-    <mc:Choice xmlns:p14="http://schemas.microsoft.com/office/powerpoint/2010/main" Requires="p14">
+  <mc:AlternateContent xmlns:mc="http://schemas.openxmlformats.org/markup-compatibility/2006" xmlns:p14="http://schemas.microsoft.com/office/powerpoint/2010/main">
+    <mc:Choice Requires="p14">
       <p:transition spd="med" p14:dur="700">
         <p:fade/>
       </p:transition>
     </mc:Choice>
-    <mc:Fallback>
+    <mc:Fallback xmlns="">
       <p:transition spd="med">
         <p:fade/>
       </p:transition>
@@ -8377,13 +8369,6 @@
               </a:rPr>
               <a:t> delete it. Klik vervolgens in de tijdelijke aanduiding op het pictogram Afbeeldingen om uw eigen afbeelding in te voegen.</a:t>
             </a:r>
-            <a:endParaRPr lang="nl-NL" sz="1200" i="1" dirty="0">
-              <a:solidFill>
-                <a:prstClr val="white"/>
-              </a:solidFill>
-              <a:latin typeface="Arial"/>
-              <a:cs typeface="Arial"/>
-            </a:endParaRPr>
           </a:p>
         </p:txBody>
       </p:sp>
@@ -8397,13 +8382,13 @@
   <p:clrMapOvr>
     <a:masterClrMapping/>
   </p:clrMapOvr>
-  <mc:AlternateContent xmlns:mc="http://schemas.openxmlformats.org/markup-compatibility/2006">
-    <mc:Choice xmlns:p14="http://schemas.microsoft.com/office/powerpoint/2010/main" Requires="p14">
+  <mc:AlternateContent xmlns:mc="http://schemas.openxmlformats.org/markup-compatibility/2006" xmlns:p14="http://schemas.microsoft.com/office/powerpoint/2010/main">
+    <mc:Choice Requires="p14">
       <p:transition spd="med" p14:dur="700">
         <p:fade/>
       </p:transition>
     </mc:Choice>
-    <mc:Fallback>
+    <mc:Fallback xmlns="">
       <p:transition spd="med">
         <p:fade/>
       </p:transition>
@@ -8880,13 +8865,13 @@
   <p:clrMapOvr>
     <a:masterClrMapping/>
   </p:clrMapOvr>
-  <mc:AlternateContent xmlns:mc="http://schemas.openxmlformats.org/markup-compatibility/2006">
-    <mc:Choice xmlns:p14="http://schemas.microsoft.com/office/powerpoint/2010/main" Requires="p14">
+  <mc:AlternateContent xmlns:mc="http://schemas.openxmlformats.org/markup-compatibility/2006" xmlns:p14="http://schemas.microsoft.com/office/powerpoint/2010/main">
+    <mc:Choice Requires="p14">
       <p:transition spd="med" p14:dur="700">
         <p:fade/>
       </p:transition>
     </mc:Choice>
-    <mc:Fallback>
+    <mc:Fallback xmlns="">
       <p:transition spd="med">
         <p:fade/>
       </p:transition>
@@ -9141,13 +9126,13 @@
   <p:clrMapOvr>
     <a:masterClrMapping/>
   </p:clrMapOvr>
-  <mc:AlternateContent xmlns:mc="http://schemas.openxmlformats.org/markup-compatibility/2006">
-    <mc:Choice xmlns:p14="http://schemas.microsoft.com/office/powerpoint/2010/main" Requires="p14">
+  <mc:AlternateContent xmlns:mc="http://schemas.openxmlformats.org/markup-compatibility/2006" xmlns:p14="http://schemas.microsoft.com/office/powerpoint/2010/main">
+    <mc:Choice Requires="p14">
       <p:transition spd="med" p14:dur="700">
         <p:fade/>
       </p:transition>
     </mc:Choice>
-    <mc:Fallback>
+    <mc:Fallback xmlns="">
       <p:transition spd="med">
         <p:fade/>
       </p:transition>
@@ -9546,13 +9531,13 @@
   <p:clrMapOvr>
     <a:masterClrMapping/>
   </p:clrMapOvr>
-  <mc:AlternateContent xmlns:mc="http://schemas.openxmlformats.org/markup-compatibility/2006">
-    <mc:Choice xmlns:p14="http://schemas.microsoft.com/office/powerpoint/2010/main" Requires="p14">
+  <mc:AlternateContent xmlns:mc="http://schemas.openxmlformats.org/markup-compatibility/2006" xmlns:p14="http://schemas.microsoft.com/office/powerpoint/2010/main">
+    <mc:Choice Requires="p14">
       <p:transition spd="med" p14:dur="700">
         <p:fade/>
       </p:transition>
     </mc:Choice>
-    <mc:Fallback>
+    <mc:Fallback xmlns="">
       <p:transition spd="med">
         <p:fade/>
       </p:transition>
@@ -9698,13 +9683,13 @@
   <p:clrMapOvr>
     <a:masterClrMapping/>
   </p:clrMapOvr>
-  <mc:AlternateContent xmlns:mc="http://schemas.openxmlformats.org/markup-compatibility/2006">
-    <mc:Choice xmlns:p14="http://schemas.microsoft.com/office/powerpoint/2010/main" Requires="p14">
+  <mc:AlternateContent xmlns:mc="http://schemas.openxmlformats.org/markup-compatibility/2006" xmlns:p14="http://schemas.microsoft.com/office/powerpoint/2010/main">
+    <mc:Choice Requires="p14">
       <p:transition spd="med" p14:dur="700">
         <p:fade/>
       </p:transition>
     </mc:Choice>
-    <mc:Fallback>
+    <mc:Fallback xmlns="">
       <p:transition spd="med">
         <p:fade/>
       </p:transition>
@@ -9827,13 +9812,13 @@
   <p:clrMapOvr>
     <a:masterClrMapping/>
   </p:clrMapOvr>
-  <mc:AlternateContent xmlns:mc="http://schemas.openxmlformats.org/markup-compatibility/2006">
-    <mc:Choice xmlns:p14="http://schemas.microsoft.com/office/powerpoint/2010/main" Requires="p14">
+  <mc:AlternateContent xmlns:mc="http://schemas.openxmlformats.org/markup-compatibility/2006" xmlns:p14="http://schemas.microsoft.com/office/powerpoint/2010/main">
+    <mc:Choice Requires="p14">
       <p:transition spd="med" p14:dur="700">
         <p:fade/>
       </p:transition>
     </mc:Choice>
-    <mc:Fallback>
+    <mc:Fallback xmlns="">
       <p:transition spd="med">
         <p:fade/>
       </p:transition>
@@ -10140,13 +10125,13 @@
   <p:clrMapOvr>
     <a:masterClrMapping/>
   </p:clrMapOvr>
-  <mc:AlternateContent xmlns:mc="http://schemas.openxmlformats.org/markup-compatibility/2006">
-    <mc:Choice xmlns:p14="http://schemas.microsoft.com/office/powerpoint/2010/main" Requires="p14">
+  <mc:AlternateContent xmlns:mc="http://schemas.openxmlformats.org/markup-compatibility/2006" xmlns:p14="http://schemas.microsoft.com/office/powerpoint/2010/main">
+    <mc:Choice Requires="p14">
       <p:transition spd="med" p14:dur="700">
         <p:fade/>
       </p:transition>
     </mc:Choice>
-    <mc:Fallback>
+    <mc:Fallback xmlns="">
       <p:transition spd="med">
         <p:fade/>
       </p:transition>
@@ -10438,13 +10423,13 @@
   <p:clrMapOvr>
     <a:masterClrMapping/>
   </p:clrMapOvr>
-  <mc:AlternateContent xmlns:mc="http://schemas.openxmlformats.org/markup-compatibility/2006">
-    <mc:Choice xmlns:p14="http://schemas.microsoft.com/office/powerpoint/2010/main" Requires="p14">
+  <mc:AlternateContent xmlns:mc="http://schemas.openxmlformats.org/markup-compatibility/2006" xmlns:p14="http://schemas.microsoft.com/office/powerpoint/2010/main">
+    <mc:Choice Requires="p14">
       <p:transition spd="med" p14:dur="700">
         <p:fade/>
       </p:transition>
     </mc:Choice>
-    <mc:Fallback>
+    <mc:Fallback xmlns="">
       <p:transition spd="med">
         <p:fade/>
       </p:transition>
@@ -11081,13 +11066,13 @@
   <p:clrMapOvr>
     <a:masterClrMapping/>
   </p:clrMapOvr>
-  <mc:AlternateContent xmlns:mc="http://schemas.openxmlformats.org/markup-compatibility/2006">
-    <mc:Choice xmlns:p14="http://schemas.microsoft.com/office/powerpoint/2010/main" Requires="p14">
+  <mc:AlternateContent xmlns:mc="http://schemas.openxmlformats.org/markup-compatibility/2006" xmlns:p14="http://schemas.microsoft.com/office/powerpoint/2010/main">
+    <mc:Choice Requires="p14">
       <p:transition spd="med" p14:dur="700">
         <p:fade/>
       </p:transition>
     </mc:Choice>
-    <mc:Fallback>
+    <mc:Fallback xmlns="">
       <p:transition spd="med">
         <p:fade/>
       </p:transition>
@@ -11285,13 +11270,13 @@
   <p:clrMapOvr>
     <a:masterClrMapping/>
   </p:clrMapOvr>
-  <mc:AlternateContent xmlns:mc="http://schemas.openxmlformats.org/markup-compatibility/2006">
-    <mc:Choice xmlns:p14="http://schemas.microsoft.com/office/powerpoint/2010/main" Requires="p14">
+  <mc:AlternateContent xmlns:mc="http://schemas.openxmlformats.org/markup-compatibility/2006" xmlns:p14="http://schemas.microsoft.com/office/powerpoint/2010/main">
+    <mc:Choice Requires="p14">
       <p:transition spd="med" p14:dur="700">
         <p:fade/>
       </p:transition>
     </mc:Choice>
-    <mc:Fallback>
+    <mc:Fallback xmlns="">
       <p:transition spd="med">
         <p:fade/>
       </p:transition>
@@ -11651,13 +11636,13 @@
   <p:clrMapOvr>
     <a:masterClrMapping/>
   </p:clrMapOvr>
-  <mc:AlternateContent xmlns:mc="http://schemas.openxmlformats.org/markup-compatibility/2006">
-    <mc:Choice xmlns:p14="http://schemas.microsoft.com/office/powerpoint/2010/main" Requires="p14">
+  <mc:AlternateContent xmlns:mc="http://schemas.openxmlformats.org/markup-compatibility/2006" xmlns:p14="http://schemas.microsoft.com/office/powerpoint/2010/main">
+    <mc:Choice Requires="p14">
       <p:transition spd="med" p14:dur="700">
         <p:fade/>
       </p:transition>
     </mc:Choice>
-    <mc:Fallback>
+    <mc:Fallback xmlns="">
       <p:transition spd="med">
         <p:fade/>
       </p:transition>
@@ -12134,13 +12119,13 @@
   <p:clrMapOvr>
     <a:masterClrMapping/>
   </p:clrMapOvr>
-  <mc:AlternateContent xmlns:mc="http://schemas.openxmlformats.org/markup-compatibility/2006">
-    <mc:Choice xmlns:p14="http://schemas.microsoft.com/office/powerpoint/2010/main" Requires="p14">
+  <mc:AlternateContent xmlns:mc="http://schemas.openxmlformats.org/markup-compatibility/2006" xmlns:p14="http://schemas.microsoft.com/office/powerpoint/2010/main">
+    <mc:Choice Requires="p14">
       <p:transition spd="med" p14:dur="700">
         <p:fade/>
       </p:transition>
     </mc:Choice>
-    <mc:Fallback>
+    <mc:Fallback xmlns="">
       <p:transition spd="med">
         <p:fade/>
       </p:transition>
@@ -12395,13 +12380,13 @@
   <p:clrMapOvr>
     <a:masterClrMapping/>
   </p:clrMapOvr>
-  <mc:AlternateContent xmlns:mc="http://schemas.openxmlformats.org/markup-compatibility/2006">
-    <mc:Choice xmlns:p14="http://schemas.microsoft.com/office/powerpoint/2010/main" Requires="p14">
+  <mc:AlternateContent xmlns:mc="http://schemas.openxmlformats.org/markup-compatibility/2006" xmlns:p14="http://schemas.microsoft.com/office/powerpoint/2010/main">
+    <mc:Choice Requires="p14">
       <p:transition spd="med" p14:dur="700">
         <p:fade/>
       </p:transition>
     </mc:Choice>
-    <mc:Fallback>
+    <mc:Fallback xmlns="">
       <p:transition spd="med">
         <p:fade/>
       </p:transition>
@@ -12800,13 +12785,13 @@
   <p:clrMapOvr>
     <a:masterClrMapping/>
   </p:clrMapOvr>
-  <mc:AlternateContent xmlns:mc="http://schemas.openxmlformats.org/markup-compatibility/2006">
-    <mc:Choice xmlns:p14="http://schemas.microsoft.com/office/powerpoint/2010/main" Requires="p14">
+  <mc:AlternateContent xmlns:mc="http://schemas.openxmlformats.org/markup-compatibility/2006" xmlns:p14="http://schemas.microsoft.com/office/powerpoint/2010/main">
+    <mc:Choice Requires="p14">
       <p:transition spd="med" p14:dur="700">
         <p:fade/>
       </p:transition>
     </mc:Choice>
-    <mc:Fallback>
+    <mc:Fallback xmlns="">
       <p:transition spd="med">
         <p:fade/>
       </p:transition>
@@ -12952,13 +12937,13 @@
   <p:clrMapOvr>
     <a:masterClrMapping/>
   </p:clrMapOvr>
-  <mc:AlternateContent xmlns:mc="http://schemas.openxmlformats.org/markup-compatibility/2006">
-    <mc:Choice xmlns:p14="http://schemas.microsoft.com/office/powerpoint/2010/main" Requires="p14">
+  <mc:AlternateContent xmlns:mc="http://schemas.openxmlformats.org/markup-compatibility/2006" xmlns:p14="http://schemas.microsoft.com/office/powerpoint/2010/main">
+    <mc:Choice Requires="p14">
       <p:transition spd="med" p14:dur="700">
         <p:fade/>
       </p:transition>
     </mc:Choice>
-    <mc:Fallback>
+    <mc:Fallback xmlns="">
       <p:transition spd="med">
         <p:fade/>
       </p:transition>
@@ -13081,13 +13066,13 @@
   <p:clrMapOvr>
     <a:masterClrMapping/>
   </p:clrMapOvr>
-  <mc:AlternateContent xmlns:mc="http://schemas.openxmlformats.org/markup-compatibility/2006">
-    <mc:Choice xmlns:p14="http://schemas.microsoft.com/office/powerpoint/2010/main" Requires="p14">
+  <mc:AlternateContent xmlns:mc="http://schemas.openxmlformats.org/markup-compatibility/2006" xmlns:p14="http://schemas.microsoft.com/office/powerpoint/2010/main">
+    <mc:Choice Requires="p14">
       <p:transition spd="med" p14:dur="700">
         <p:fade/>
       </p:transition>
     </mc:Choice>
-    <mc:Fallback>
+    <mc:Fallback xmlns="">
       <p:transition spd="med">
         <p:fade/>
       </p:transition>
@@ -13394,13 +13379,13 @@
   <p:clrMapOvr>
     <a:masterClrMapping/>
   </p:clrMapOvr>
-  <mc:AlternateContent xmlns:mc="http://schemas.openxmlformats.org/markup-compatibility/2006">
-    <mc:Choice xmlns:p14="http://schemas.microsoft.com/office/powerpoint/2010/main" Requires="p14">
+  <mc:AlternateContent xmlns:mc="http://schemas.openxmlformats.org/markup-compatibility/2006" xmlns:p14="http://schemas.microsoft.com/office/powerpoint/2010/main">
+    <mc:Choice Requires="p14">
       <p:transition spd="med" p14:dur="700">
         <p:fade/>
       </p:transition>
     </mc:Choice>
-    <mc:Fallback>
+    <mc:Fallback xmlns="">
       <p:transition spd="med">
         <p:fade/>
       </p:transition>
@@ -13835,13 +13820,13 @@
     <p:sldLayoutId id="2147483672" r:id="rId12"/>
     <p:sldLayoutId id="2147483673" r:id="rId13"/>
   </p:sldLayoutIdLst>
-  <mc:AlternateContent xmlns:mc="http://schemas.openxmlformats.org/markup-compatibility/2006">
-    <mc:Choice xmlns:p14="http://schemas.microsoft.com/office/powerpoint/2010/main" Requires="p14">
+  <mc:AlternateContent xmlns:mc="http://schemas.openxmlformats.org/markup-compatibility/2006" xmlns:p14="http://schemas.microsoft.com/office/powerpoint/2010/main">
+    <mc:Choice Requires="p14">
       <p:transition spd="med" p14:dur="700">
         <p:fade/>
       </p:transition>
     </mc:Choice>
-    <mc:Fallback>
+    <mc:Fallback xmlns="">
       <p:transition spd="med">
         <p:fade/>
       </p:transition>
@@ -14130,12 +14115,12 @@
   <p:extLst mod="1">
     <p:ext uri="{27BBF7A9-308A-43DC-89C8-2F10F3537804}">
       <p15:sldGuideLst xmlns:p15="http://schemas.microsoft.com/office/powerpoint/2012/main">
-        <p15:guide id="4294967295" orient="horz" pos="2160">
+        <p15:guide id="1" orient="horz" pos="2160">
           <p15:clr>
             <a:srgbClr val="F26B43"/>
           </p15:clr>
         </p15:guide>
-        <p15:guide id="4294967295" pos="3840">
+        <p15:guide id="2" pos="3840">
           <p15:clr>
             <a:srgbClr val="F26B43"/>
           </p15:clr>
@@ -14572,13 +14557,13 @@
     <p:sldLayoutId id="2147483686" r:id="rId12"/>
     <p:sldLayoutId id="2147483687" r:id="rId13"/>
   </p:sldLayoutIdLst>
-  <mc:AlternateContent xmlns:mc="http://schemas.openxmlformats.org/markup-compatibility/2006">
-    <mc:Choice xmlns:p14="http://schemas.microsoft.com/office/powerpoint/2010/main" Requires="p14">
+  <mc:AlternateContent xmlns:mc="http://schemas.openxmlformats.org/markup-compatibility/2006" xmlns:p14="http://schemas.microsoft.com/office/powerpoint/2010/main">
+    <mc:Choice Requires="p14">
       <p:transition spd="med" p14:dur="700">
         <p:fade/>
       </p:transition>
     </mc:Choice>
-    <mc:Fallback>
+    <mc:Fallback xmlns="">
       <p:transition spd="med">
         <p:fade/>
       </p:transition>
@@ -14867,12 +14852,12 @@
   <p:extLst mod="1">
     <p:ext uri="{27BBF7A9-308A-43DC-89C8-2F10F3537804}">
       <p15:sldGuideLst xmlns:p15="http://schemas.microsoft.com/office/powerpoint/2012/main">
-        <p15:guide id="4294967295" orient="horz" pos="2160">
+        <p15:guide id="1" orient="horz" pos="2160">
           <p15:clr>
             <a:srgbClr val="F26B43"/>
           </p15:clr>
         </p15:guide>
-        <p15:guide id="4294967295" pos="3840">
+        <p15:guide id="2" pos="3840">
           <p15:clr>
             <a:srgbClr val="F26B43"/>
           </p15:clr>
@@ -15309,13 +15294,13 @@
     <p:sldLayoutId id="2147483700" r:id="rId12"/>
     <p:sldLayoutId id="2147483701" r:id="rId13"/>
   </p:sldLayoutIdLst>
-  <mc:AlternateContent xmlns:mc="http://schemas.openxmlformats.org/markup-compatibility/2006">
-    <mc:Choice xmlns:p14="http://schemas.microsoft.com/office/powerpoint/2010/main" Requires="p14">
+  <mc:AlternateContent xmlns:mc="http://schemas.openxmlformats.org/markup-compatibility/2006" xmlns:p14="http://schemas.microsoft.com/office/powerpoint/2010/main">
+    <mc:Choice Requires="p14">
       <p:transition spd="med" p14:dur="700">
         <p:fade/>
       </p:transition>
     </mc:Choice>
-    <mc:Fallback>
+    <mc:Fallback xmlns="">
       <p:transition spd="med">
         <p:fade/>
       </p:transition>
@@ -15604,12 +15589,12 @@
   <p:extLst mod="1">
     <p:ext uri="{27BBF7A9-308A-43DC-89C8-2F10F3537804}">
       <p15:sldGuideLst xmlns:p15="http://schemas.microsoft.com/office/powerpoint/2012/main">
-        <p15:guide id="4294967295" orient="horz" pos="2160">
+        <p15:guide id="1" orient="horz" pos="2160">
           <p15:clr>
             <a:srgbClr val="F26B43"/>
           </p15:clr>
         </p15:guide>
-        <p15:guide id="4294967295" pos="3840">
+        <p15:guide id="2" pos="3840">
           <p15:clr>
             <a:srgbClr val="F26B43"/>
           </p15:clr>
@@ -15709,13 +15694,8 @@
             </a:pPr>
             <a:r>
               <a:rPr lang="nl-NL" sz="2400" b="0" i="0" dirty="0" smtClean="0"/>
-              <a:t>Group </a:t>
-            </a:r>
-            <a:r>
-              <a:rPr lang="nl-NL" sz="2400" b="0" i="0" dirty="0" smtClean="0"/>
-              <a:t>6</a:t>
-            </a:r>
-            <a:endParaRPr lang="nl-NL" sz="2400" b="0" i="0" dirty="0" smtClean="0"/>
+              <a:t>Group 6</a:t>
+            </a:r>
           </a:p>
           <a:p>
             <a:pPr marL="0" indent="0" algn="l">
@@ -15723,11 +15703,7 @@
             </a:pPr>
             <a:r>
               <a:rPr lang="nl-NL" sz="1800" dirty="0" smtClean="0"/>
-              <a:t>George </a:t>
-            </a:r>
-            <a:r>
-              <a:rPr lang="nl-NL" sz="1800" dirty="0" smtClean="0"/>
-              <a:t>Vasileiadis</a:t>
+              <a:t>George Vasileiadis</a:t>
             </a:r>
           </a:p>
           <a:p>
@@ -15747,7 +15723,6 @@
               <a:rPr lang="nl-NL" sz="1800" dirty="0" smtClean="0"/>
               <a:t>Lin Jiefan</a:t>
             </a:r>
-            <a:endParaRPr lang="nl-NL" sz="1800" dirty="0" smtClean="0"/>
           </a:p>
         </p:txBody>
       </p:sp>
@@ -15786,13 +15761,13 @@
   <p:clrMapOvr>
     <a:masterClrMapping/>
   </p:clrMapOvr>
-  <mc:AlternateContent xmlns:mc="http://schemas.openxmlformats.org/markup-compatibility/2006">
-    <mc:Choice xmlns:p14="http://schemas.microsoft.com/office/powerpoint/2010/main" Requires="p14">
+  <mc:AlternateContent xmlns:mc="http://schemas.openxmlformats.org/markup-compatibility/2006" xmlns:p14="http://schemas.microsoft.com/office/powerpoint/2010/main">
+    <mc:Choice Requires="p14">
       <p:transition spd="med" p14:dur="700">
         <p:fade/>
       </p:transition>
     </mc:Choice>
-    <mc:Fallback>
+    <mc:Fallback xmlns="">
       <p:transition spd="med">
         <p:fade/>
       </p:transition>
@@ -15977,13 +15952,13 @@
   <p:clrMapOvr>
     <a:masterClrMapping/>
   </p:clrMapOvr>
-  <mc:AlternateContent xmlns:mc="http://schemas.openxmlformats.org/markup-compatibility/2006">
-    <mc:Choice xmlns:p14="http://schemas.microsoft.com/office/powerpoint/2010/main" Requires="p14">
+  <mc:AlternateContent xmlns:mc="http://schemas.openxmlformats.org/markup-compatibility/2006" xmlns:p14="http://schemas.microsoft.com/office/powerpoint/2010/main">
+    <mc:Choice Requires="p14">
       <p:transition spd="med" p14:dur="700">
         <p:fade/>
       </p:transition>
     </mc:Choice>
-    <mc:Fallback>
+    <mc:Fallback xmlns="">
       <p:transition spd="med">
         <p:fade/>
       </p:transition>
@@ -16093,13 +16068,13 @@
   <p:clrMapOvr>
     <a:masterClrMapping/>
   </p:clrMapOvr>
-  <mc:AlternateContent xmlns:mc="http://schemas.openxmlformats.org/markup-compatibility/2006">
-    <mc:Choice xmlns:p14="http://schemas.microsoft.com/office/powerpoint/2010/main" Requires="p14">
+  <mc:AlternateContent xmlns:mc="http://schemas.openxmlformats.org/markup-compatibility/2006" xmlns:p14="http://schemas.microsoft.com/office/powerpoint/2010/main">
+    <mc:Choice Requires="p14">
       <p:transition spd="med" p14:dur="700">
         <p:fade/>
       </p:transition>
     </mc:Choice>
-    <mc:Fallback>
+    <mc:Fallback xmlns="">
       <p:transition spd="med">
         <p:fade/>
       </p:transition>
@@ -16212,13 +16187,13 @@
   <p:clrMapOvr>
     <a:masterClrMapping/>
   </p:clrMapOvr>
-  <mc:AlternateContent xmlns:mc="http://schemas.openxmlformats.org/markup-compatibility/2006">
-    <mc:Choice xmlns:p14="http://schemas.microsoft.com/office/powerpoint/2010/main" Requires="p14">
+  <mc:AlternateContent xmlns:mc="http://schemas.openxmlformats.org/markup-compatibility/2006" xmlns:p14="http://schemas.microsoft.com/office/powerpoint/2010/main">
+    <mc:Choice Requires="p14">
       <p:transition spd="med" p14:dur="700">
         <p:fade/>
       </p:transition>
     </mc:Choice>
-    <mc:Fallback>
+    <mc:Fallback xmlns="">
       <p:transition spd="med">
         <p:fade/>
       </p:transition>
@@ -16331,13 +16306,138 @@
   <p:clrMapOvr>
     <a:masterClrMapping/>
   </p:clrMapOvr>
-  <mc:AlternateContent xmlns:mc="http://schemas.openxmlformats.org/markup-compatibility/2006">
-    <mc:Choice xmlns:p14="http://schemas.microsoft.com/office/powerpoint/2010/main" Requires="p14">
+  <mc:AlternateContent xmlns:mc="http://schemas.openxmlformats.org/markup-compatibility/2006" xmlns:p14="http://schemas.microsoft.com/office/powerpoint/2010/main">
+    <mc:Choice Requires="p14">
       <p:transition spd="med" p14:dur="700">
         <p:fade/>
       </p:transition>
     </mc:Choice>
-    <mc:Fallback>
+    <mc:Fallback xmlns="">
+      <p:transition spd="med">
+        <p:fade/>
+      </p:transition>
+    </mc:Fallback>
+  </mc:AlternateContent>
+  <p:timing>
+    <p:tnLst>
+      <p:par>
+        <p:cTn id="1" dur="indefinite" restart="never" nodeType="tmRoot"/>
+      </p:par>
+    </p:tnLst>
+  </p:timing>
+</p:sld>
+</file>
+
+<file path=ppt/slides/slide6.xml><?xml version="1.0" encoding="utf-8"?>
+<p:sld xmlns:a="http://schemas.openxmlformats.org/drawingml/2006/main" xmlns:r="http://schemas.openxmlformats.org/officeDocument/2006/relationships" xmlns:p="http://schemas.openxmlformats.org/presentationml/2006/main">
+  <p:cSld>
+    <p:spTree>
+      <p:nvGrpSpPr>
+        <p:cNvPr id="1" name=""/>
+        <p:cNvGrpSpPr/>
+        <p:nvPr/>
+      </p:nvGrpSpPr>
+      <p:grpSpPr>
+        <a:xfrm>
+          <a:off x="0" y="0"/>
+          <a:ext cx="0" cy="0"/>
+          <a:chOff x="0" y="0"/>
+          <a:chExt cx="0" cy="0"/>
+        </a:xfrm>
+      </p:grpSpPr>
+      <p:sp>
+        <p:nvSpPr>
+          <p:cNvPr id="2" name="Titel 1"/>
+          <p:cNvSpPr>
+            <a:spLocks noGrp="1"/>
+          </p:cNvSpPr>
+          <p:nvPr>
+            <p:ph type="title"/>
+          </p:nvPr>
+        </p:nvSpPr>
+        <p:spPr/>
+        <p:txBody>
+          <a:bodyPr/>
+          <a:lstStyle/>
+          <a:p>
+            <a:pPr algn="l" defTabSz="914400">
+              <a:lnSpc>
+                <a:spcPct val="90000"/>
+              </a:lnSpc>
+              <a:spcBef>
+                <a:spcPts val="0"/>
+              </a:spcBef>
+              <a:buNone/>
+            </a:pPr>
+            <a:r>
+              <a:rPr lang="nl-NL" dirty="0" smtClean="0">
+                <a:latin typeface="Book Antiqua"/>
+              </a:rPr>
+              <a:t>Demo time!</a:t>
+            </a:r>
+            <a:endParaRPr lang="nl-NL" sz="3200" b="0" i="0" dirty="0">
+              <a:solidFill>
+                <a:schemeClr val="bg1"/>
+              </a:solidFill>
+              <a:latin typeface="Book Antiqua"/>
+              <a:ea typeface="+mj-ea"/>
+              <a:cs typeface="+mj-cs"/>
+            </a:endParaRPr>
+          </a:p>
+        </p:txBody>
+      </p:sp>
+      <p:sp>
+        <p:nvSpPr>
+          <p:cNvPr id="3" name="Tijdelijke aanduiding voor inhoud 2"/>
+          <p:cNvSpPr>
+            <a:spLocks noGrp="1"/>
+          </p:cNvSpPr>
+          <p:nvPr>
+            <p:ph idx="1"/>
+          </p:nvPr>
+        </p:nvSpPr>
+        <p:spPr>
+          <a:xfrm>
+            <a:off x="1295400" y="1828800"/>
+            <a:ext cx="9601200" cy="4812632"/>
+          </a:xfrm>
+        </p:spPr>
+        <p:txBody>
+          <a:bodyPr>
+            <a:normAutofit/>
+          </a:bodyPr>
+          <a:lstStyle/>
+          <a:p>
+            <a:pPr>
+              <a:buClr>
+                <a:srgbClr val="595959"/>
+              </a:buClr>
+            </a:pPr>
+            <a:endParaRPr lang="nl-NL" dirty="0">
+              <a:solidFill>
+                <a:srgbClr val="595959"/>
+              </a:solidFill>
+            </a:endParaRPr>
+          </a:p>
+        </p:txBody>
+      </p:sp>
+    </p:spTree>
+    <p:extLst>
+      <p:ext uri="{BB962C8B-B14F-4D97-AF65-F5344CB8AC3E}">
+        <p14:creationId xmlns:p14="http://schemas.microsoft.com/office/powerpoint/2010/main" val="3009882599"/>
+      </p:ext>
+    </p:extLst>
+  </p:cSld>
+  <p:clrMapOvr>
+    <a:masterClrMapping/>
+  </p:clrMapOvr>
+  <mc:AlternateContent xmlns:mc="http://schemas.openxmlformats.org/markup-compatibility/2006" xmlns:p14="http://schemas.microsoft.com/office/powerpoint/2010/main">
+    <mc:Choice Requires="p14">
+      <p:transition spd="med" p14:dur="700">
+        <p:fade/>
+      </p:transition>
+    </mc:Choice>
+    <mc:Fallback xmlns="">
       <p:transition spd="med">
         <p:fade/>
       </p:transition>
